--- a/data/paper/A Combination Method of Resampling and Random Forest for Imbalanced Data Classification/A Combination Method of Resampling and Random Forest for Imbalanced Data Classification.pptx
+++ b/data/paper/A Combination Method of Resampling and Random Forest for Imbalanced Data Classification/A Combination Method of Resampling and Random Forest for Imbalanced Data Classification.pptx
@@ -293,7 +293,7 @@
             <a:fld id="{D60B4A33-8CC6-4A9D-99BB-1801B6CFF545}" type="datetimeFigureOut">
               <a:rPr lang="zh-CN" altLang="en-US" smtClean="0"/>
               <a:pPr/>
-              <a:t>2023/8/24</a:t>
+              <a:t>2023/8/29</a:t>
             </a:fld>
             <a:endParaRPr lang="zh-CN" altLang="en-US"/>
           </a:p>
@@ -1917,7 +1917,7 @@
             <a:fld id="{C1F886BA-5FC7-4C45-9AF2-D10BC1540A8E}" type="datetimeFigureOut">
               <a:rPr lang="zh-CN" altLang="en-US" smtClean="0"/>
               <a:pPr/>
-              <a:t>2023/8/24</a:t>
+              <a:t>2023/8/29</a:t>
             </a:fld>
             <a:endParaRPr lang="zh-CN" altLang="en-US"/>
           </a:p>
@@ -2139,7 +2139,7 @@
             <a:fld id="{C1F886BA-5FC7-4C45-9AF2-D10BC1540A8E}" type="datetimeFigureOut">
               <a:rPr lang="zh-CN" altLang="en-US" smtClean="0"/>
               <a:pPr/>
-              <a:t>2023/8/24</a:t>
+              <a:t>2023/8/29</a:t>
             </a:fld>
             <a:endParaRPr lang="zh-CN" altLang="en-US"/>
           </a:p>
@@ -2349,7 +2349,7 @@
             <a:fld id="{C1F886BA-5FC7-4C45-9AF2-D10BC1540A8E}" type="datetimeFigureOut">
               <a:rPr lang="zh-CN" altLang="en-US" smtClean="0"/>
               <a:pPr/>
-              <a:t>2023/8/24</a:t>
+              <a:t>2023/8/29</a:t>
             </a:fld>
             <a:endParaRPr lang="zh-CN" altLang="en-US"/>
           </a:p>
@@ -2582,7 +2582,7 @@
             <a:fld id="{C1F886BA-5FC7-4C45-9AF2-D10BC1540A8E}" type="datetimeFigureOut">
               <a:rPr lang="zh-CN" altLang="en-US" smtClean="0"/>
               <a:pPr/>
-              <a:t>2023/8/24</a:t>
+              <a:t>2023/8/29</a:t>
             </a:fld>
             <a:endParaRPr lang="zh-CN" altLang="en-US"/>
           </a:p>
@@ -2859,7 +2859,7 @@
             <a:fld id="{C1F886BA-5FC7-4C45-9AF2-D10BC1540A8E}" type="datetimeFigureOut">
               <a:rPr lang="zh-CN" altLang="en-US" smtClean="0"/>
               <a:pPr/>
-              <a:t>2023/8/24</a:t>
+              <a:t>2023/8/29</a:t>
             </a:fld>
             <a:endParaRPr lang="zh-CN" altLang="en-US"/>
           </a:p>
@@ -3126,7 +3126,7 @@
             <a:fld id="{C1F886BA-5FC7-4C45-9AF2-D10BC1540A8E}" type="datetimeFigureOut">
               <a:rPr lang="zh-CN" altLang="en-US" smtClean="0"/>
               <a:pPr/>
-              <a:t>2023/8/24</a:t>
+              <a:t>2023/8/29</a:t>
             </a:fld>
             <a:endParaRPr lang="zh-CN" altLang="en-US"/>
           </a:p>
@@ -3540,7 +3540,7 @@
             <a:fld id="{C1F886BA-5FC7-4C45-9AF2-D10BC1540A8E}" type="datetimeFigureOut">
               <a:rPr lang="zh-CN" altLang="en-US" smtClean="0"/>
               <a:pPr/>
-              <a:t>2023/8/24</a:t>
+              <a:t>2023/8/29</a:t>
             </a:fld>
             <a:endParaRPr lang="zh-CN" altLang="en-US"/>
           </a:p>
@@ -3683,7 +3683,7 @@
             <a:fld id="{C1F886BA-5FC7-4C45-9AF2-D10BC1540A8E}" type="datetimeFigureOut">
               <a:rPr lang="zh-CN" altLang="en-US" smtClean="0"/>
               <a:pPr/>
-              <a:t>2023/8/24</a:t>
+              <a:t>2023/8/29</a:t>
             </a:fld>
             <a:endParaRPr lang="zh-CN" altLang="en-US"/>
           </a:p>
@@ -3797,7 +3797,7 @@
           <a:p>
             <a:fld id="{CC67E8B0-37D8-4A94-82F6-917A9E355C37}" type="datetimeFigureOut">
               <a:rPr lang="zh-TW" altLang="en-US" smtClean="0"/>
-              <a:t>2023/8/24</a:t>
+              <a:t>2023/8/29</a:t>
             </a:fld>
             <a:endParaRPr lang="zh-TW" altLang="en-US"/>
           </a:p>
@@ -4112,7 +4112,7 @@
             <a:fld id="{C1F886BA-5FC7-4C45-9AF2-D10BC1540A8E}" type="datetimeFigureOut">
               <a:rPr lang="zh-CN" altLang="en-US" smtClean="0"/>
               <a:pPr/>
-              <a:t>2023/8/24</a:t>
+              <a:t>2023/8/29</a:t>
             </a:fld>
             <a:endParaRPr lang="zh-CN" altLang="en-US"/>
           </a:p>
@@ -4402,7 +4402,7 @@
             <a:fld id="{C1F886BA-5FC7-4C45-9AF2-D10BC1540A8E}" type="datetimeFigureOut">
               <a:rPr lang="zh-CN" altLang="en-US" smtClean="0"/>
               <a:pPr/>
-              <a:t>2023/8/24</a:t>
+              <a:t>2023/8/29</a:t>
             </a:fld>
             <a:endParaRPr lang="zh-CN" altLang="en-US"/>
           </a:p>
@@ -4647,7 +4647,7 @@
             <a:fld id="{C1F886BA-5FC7-4C45-9AF2-D10BC1540A8E}" type="datetimeFigureOut">
               <a:rPr lang="zh-CN" altLang="en-US" smtClean="0"/>
               <a:pPr/>
-              <a:t>2023/8/24</a:t>
+              <a:t>2023/8/29</a:t>
             </a:fld>
             <a:endParaRPr lang="zh-CN" altLang="en-US"/>
           </a:p>
@@ -8475,8 +8475,8 @@
         </p:nvSpPr>
         <p:spPr>
           <a:xfrm>
-            <a:off x="8846028" y="4806534"/>
-            <a:ext cx="298480" cy="338554"/>
+            <a:off x="8844426" y="4806534"/>
+            <a:ext cx="300082" cy="338554"/>
           </a:xfrm>
           <a:prstGeom prst="rect">
             <a:avLst/>
@@ -8489,7 +8489,7 @@
           <a:lstStyle/>
           <a:p>
             <a:r>
-              <a:rPr lang="en-US" sz="1600" dirty="0">
+              <a:rPr lang="en-US" altLang="zh-TW" sz="1600" dirty="0">
                 <a:solidFill>
                   <a:schemeClr val="tx1">
                     <a:lumMod val="65000"/>
@@ -8500,8 +8500,19 @@
                 <a:ea typeface="台灣金萱體" panose="02020500000000000000" pitchFamily="18" charset="-120"/>
                 <a:cs typeface="台灣金萱體" panose="02020500000000000000" pitchFamily="18" charset="-120"/>
               </a:rPr>
-              <a:t>9</a:t>
+              <a:t>8</a:t>
             </a:r>
+            <a:endParaRPr lang="en-US" sz="1600" dirty="0">
+              <a:solidFill>
+                <a:schemeClr val="tx1">
+                  <a:lumMod val="65000"/>
+                  <a:lumOff val="35000"/>
+                </a:schemeClr>
+              </a:solidFill>
+              <a:latin typeface="台灣金萱體" panose="02020500000000000000" pitchFamily="18" charset="-120"/>
+              <a:ea typeface="台灣金萱體" panose="02020500000000000000" pitchFamily="18" charset="-120"/>
+              <a:cs typeface="台灣金萱體" panose="02020500000000000000" pitchFamily="18" charset="-120"/>
+            </a:endParaRPr>
           </a:p>
         </p:txBody>
       </p:sp>
@@ -35181,8 +35192,8 @@
         </p:nvSpPr>
         <p:spPr>
           <a:xfrm>
-            <a:off x="8857250" y="4806534"/>
-            <a:ext cx="287258" cy="338554"/>
+            <a:off x="8842822" y="4806534"/>
+            <a:ext cx="301686" cy="338554"/>
           </a:xfrm>
           <a:prstGeom prst="rect">
             <a:avLst/>
@@ -35195,7 +35206,7 @@
           <a:lstStyle/>
           <a:p>
             <a:r>
-              <a:rPr lang="en-US" sz="1600" dirty="0">
+              <a:rPr lang="en-US" altLang="zh-TW" sz="1600" dirty="0">
                 <a:solidFill>
                   <a:schemeClr val="tx1">
                     <a:lumMod val="65000"/>
@@ -35206,8 +35217,19 @@
                 <a:ea typeface="台灣金萱體" panose="02020500000000000000" pitchFamily="18" charset="-120"/>
                 <a:cs typeface="台灣金萱體" panose="02020500000000000000" pitchFamily="18" charset="-120"/>
               </a:rPr>
-              <a:t>5</a:t>
+              <a:t>6</a:t>
             </a:r>
+            <a:endParaRPr lang="en-US" sz="1600" dirty="0">
+              <a:solidFill>
+                <a:schemeClr val="tx1">
+                  <a:lumMod val="65000"/>
+                  <a:lumOff val="35000"/>
+                </a:schemeClr>
+              </a:solidFill>
+              <a:latin typeface="台灣金萱體" panose="02020500000000000000" pitchFamily="18" charset="-120"/>
+              <a:ea typeface="台灣金萱體" panose="02020500000000000000" pitchFamily="18" charset="-120"/>
+              <a:cs typeface="台灣金萱體" panose="02020500000000000000" pitchFamily="18" charset="-120"/>
+            </a:endParaRPr>
           </a:p>
         </p:txBody>
       </p:sp>
@@ -36328,8 +36350,8 @@
         </p:nvSpPr>
         <p:spPr>
           <a:xfrm>
-            <a:off x="8844426" y="4806534"/>
-            <a:ext cx="300082" cy="338554"/>
+            <a:off x="8860456" y="4806534"/>
+            <a:ext cx="284052" cy="338554"/>
           </a:xfrm>
           <a:prstGeom prst="rect">
             <a:avLst/>
@@ -36342,7 +36364,7 @@
           <a:lstStyle/>
           <a:p>
             <a:r>
-              <a:rPr lang="en-US" sz="1600" dirty="0">
+              <a:rPr lang="en-US" altLang="zh-TW" sz="1600" dirty="0">
                 <a:solidFill>
                   <a:schemeClr val="tx1">
                     <a:lumMod val="65000"/>
@@ -36353,8 +36375,19 @@
                 <a:ea typeface="台灣金萱體" panose="02020500000000000000" pitchFamily="18" charset="-120"/>
                 <a:cs typeface="台灣金萱體" panose="02020500000000000000" pitchFamily="18" charset="-120"/>
               </a:rPr>
-              <a:t>8</a:t>
+              <a:t>7</a:t>
             </a:r>
+            <a:endParaRPr lang="en-US" sz="1600" dirty="0">
+              <a:solidFill>
+                <a:schemeClr val="tx1">
+                  <a:lumMod val="65000"/>
+                  <a:lumOff val="35000"/>
+                </a:schemeClr>
+              </a:solidFill>
+              <a:latin typeface="台灣金萱體" panose="02020500000000000000" pitchFamily="18" charset="-120"/>
+              <a:ea typeface="台灣金萱體" panose="02020500000000000000" pitchFamily="18" charset="-120"/>
+              <a:cs typeface="台灣金萱體" panose="02020500000000000000" pitchFamily="18" charset="-120"/>
+            </a:endParaRPr>
           </a:p>
         </p:txBody>
       </p:sp>
